--- a/TDI Capstone Pitch.pptx
+++ b/TDI Capstone Pitch.pptx
@@ -107,6 +107,11 @@
       </a:defRPr>
     </a:lvl9pPr>
   </p:defaultTextStyle>
+  <p:extLst>
+    <p:ext uri="{EFAFB233-063F-42B5-8137-9DF3F51BA10A}">
+      <p15:sldGuideLst xmlns:p15="http://schemas.microsoft.com/office/powerpoint/2012/main"/>
+    </p:ext>
+  </p:extLst>
 </p:presentation>
 </file>
 
@@ -3879,11 +3884,11 @@
   <p:clrMapOvr>
     <a:overrideClrMapping bg1="dk1" tx1="lt1" bg2="dk2" tx2="lt2" accent1="accent1" accent2="accent2" accent3="accent3" accent4="accent4" accent5="accent5" accent6="accent6" hlink="hlink" folHlink="folHlink"/>
   </p:clrMapOvr>
-  <mc:AlternateContent xmlns:mc="http://schemas.openxmlformats.org/markup-compatibility/2006">
-    <mc:Choice xmlns:p14="http://schemas.microsoft.com/office/powerpoint/2010/main" Requires="p14">
+  <mc:AlternateContent xmlns:mc="http://schemas.openxmlformats.org/markup-compatibility/2006" xmlns:p14="http://schemas.microsoft.com/office/powerpoint/2010/main">
+    <mc:Choice Requires="p14">
       <p:transition spd="slow" p14:dur="2000" advTm="3555"/>
     </mc:Choice>
-    <mc:Fallback>
+    <mc:Fallback xmlns="">
       <p:transition spd="slow" advTm="3555"/>
     </mc:Fallback>
   </mc:AlternateContent>
@@ -4371,6 +4376,41 @@
           </a:xfrm>
         </p:spPr>
       </p:pic>
+      <p:sp>
+        <p:nvSpPr>
+          <p:cNvPr id="4" name="TextBox 3">
+            <a:extLst>
+              <a:ext uri="{FF2B5EF4-FFF2-40B4-BE49-F238E27FC236}">
+                <a16:creationId xmlns:a16="http://schemas.microsoft.com/office/drawing/2014/main" id="{745988A4-84FB-49C2-A7A4-432F49930690}"/>
+              </a:ext>
+            </a:extLst>
+          </p:cNvPr>
+          <p:cNvSpPr txBox="1"/>
+          <p:nvPr/>
+        </p:nvSpPr>
+        <p:spPr>
+          <a:xfrm>
+            <a:off x="8487866" y="5695766"/>
+            <a:ext cx="1703157" cy="307777"/>
+          </a:xfrm>
+          <a:prstGeom prst="rect">
+            <a:avLst/>
+          </a:prstGeom>
+          <a:noFill/>
+        </p:spPr>
+        <p:txBody>
+          <a:bodyPr wrap="square" rtlCol="0">
+            <a:spAutoFit/>
+          </a:bodyPr>
+          <a:lstStyle/>
+          <a:p>
+            <a:r>
+              <a:rPr lang="en-US" sz="1400" dirty="0"/>
+              <a:t>Source: Wikipedia</a:t>
+            </a:r>
+          </a:p>
+        </p:txBody>
+      </p:sp>
     </p:spTree>
     <p:extLst>
       <p:ext uri="{BB962C8B-B14F-4D97-AF65-F5344CB8AC3E}">
